--- a/Project3_Draft.pptx
+++ b/Project3_Draft.pptx
@@ -127,7 +127,7 @@
   <pc:docChgLst>
     <pc:chgData name="Paul Friesenhahn" userId="f916021d3ee654ef" providerId="LiveId" clId="{DC3548C3-5DA8-4B8B-B3DE-662D292C6445}"/>
     <pc:docChg chg="undo redo custSel addSld delSld modSld sldOrd">
-      <pc:chgData name="Paul Friesenhahn" userId="f916021d3ee654ef" providerId="LiveId" clId="{DC3548C3-5DA8-4B8B-B3DE-662D292C6445}" dt="2023-06-28T17:51:28.804" v="2719" actId="2696"/>
+      <pc:chgData name="Paul Friesenhahn" userId="f916021d3ee654ef" providerId="LiveId" clId="{DC3548C3-5DA8-4B8B-B3DE-662D292C6445}" dt="2023-06-28T23:02:57.969" v="2727" actId="1076"/>
       <pc:docMkLst>
         <pc:docMk/>
       </pc:docMkLst>
@@ -1834,13 +1834,13 @@
         </pc:sldMkLst>
       </pc:sldChg>
       <pc:sldChg chg="addSp delSp modSp add mod modNotesTx">
-        <pc:chgData name="Paul Friesenhahn" userId="f916021d3ee654ef" providerId="LiveId" clId="{DC3548C3-5DA8-4B8B-B3DE-662D292C6445}" dt="2023-06-28T17:46:11.231" v="2643" actId="20577"/>
+        <pc:chgData name="Paul Friesenhahn" userId="f916021d3ee654ef" providerId="LiveId" clId="{DC3548C3-5DA8-4B8B-B3DE-662D292C6445}" dt="2023-06-28T23:02:57.969" v="2727" actId="1076"/>
         <pc:sldMkLst>
           <pc:docMk/>
           <pc:sldMk cId="3779166367" sldId="275"/>
         </pc:sldMkLst>
         <pc:spChg chg="mod">
-          <ac:chgData name="Paul Friesenhahn" userId="f916021d3ee654ef" providerId="LiveId" clId="{DC3548C3-5DA8-4B8B-B3DE-662D292C6445}" dt="2023-06-28T17:36:04.543" v="2435" actId="20577"/>
+          <ac:chgData name="Paul Friesenhahn" userId="f916021d3ee654ef" providerId="LiveId" clId="{DC3548C3-5DA8-4B8B-B3DE-662D292C6445}" dt="2023-06-28T23:02:54.554" v="2726" actId="5793"/>
           <ac:spMkLst>
             <pc:docMk/>
             <pc:sldMk cId="3779166367" sldId="275"/>
@@ -1856,6 +1856,14 @@
           </ac:grpSpMkLst>
         </pc:grpChg>
         <pc:picChg chg="add mod">
+          <ac:chgData name="Paul Friesenhahn" userId="f916021d3ee654ef" providerId="LiveId" clId="{DC3548C3-5DA8-4B8B-B3DE-662D292C6445}" dt="2023-06-28T23:02:57.969" v="2727" actId="1076"/>
+          <ac:picMkLst>
+            <pc:docMk/>
+            <pc:sldMk cId="3779166367" sldId="275"/>
+            <ac:picMk id="5" creationId="{12BA6DD9-4EEE-F426-8AD7-BBDB6EDB0D13}"/>
+          </ac:picMkLst>
+        </pc:picChg>
+        <pc:picChg chg="add mod">
           <ac:chgData name="Paul Friesenhahn" userId="f916021d3ee654ef" providerId="LiveId" clId="{DC3548C3-5DA8-4B8B-B3DE-662D292C6445}" dt="2023-06-28T17:12:41.239" v="1999"/>
           <ac:picMkLst>
             <pc:docMk/>
@@ -1863,16 +1871,16 @@
             <ac:picMk id="7" creationId="{3C851906-5B8C-E4C9-6165-C4D1D4AA4ADF}"/>
           </ac:picMkLst>
         </pc:picChg>
-        <pc:picChg chg="add mod">
-          <ac:chgData name="Paul Friesenhahn" userId="f916021d3ee654ef" providerId="LiveId" clId="{DC3548C3-5DA8-4B8B-B3DE-662D292C6445}" dt="2023-06-28T17:37:19.554" v="2445" actId="208"/>
+        <pc:picChg chg="add del mod">
+          <ac:chgData name="Paul Friesenhahn" userId="f916021d3ee654ef" providerId="LiveId" clId="{DC3548C3-5DA8-4B8B-B3DE-662D292C6445}" dt="2023-06-28T23:02:47.857" v="2722" actId="478"/>
           <ac:picMkLst>
             <pc:docMk/>
             <pc:sldMk cId="3779166367" sldId="275"/>
             <ac:picMk id="9" creationId="{7F565007-70C2-0E46-8BAD-1E63122F8FC7}"/>
           </ac:picMkLst>
         </pc:picChg>
-        <pc:picChg chg="add mod">
-          <ac:chgData name="Paul Friesenhahn" userId="f916021d3ee654ef" providerId="LiveId" clId="{DC3548C3-5DA8-4B8B-B3DE-662D292C6445}" dt="2023-06-28T17:37:21.070" v="2446" actId="208"/>
+        <pc:picChg chg="add del mod">
+          <ac:chgData name="Paul Friesenhahn" userId="f916021d3ee654ef" providerId="LiveId" clId="{DC3548C3-5DA8-4B8B-B3DE-662D292C6445}" dt="2023-06-28T23:02:48.720" v="2723" actId="478"/>
           <ac:picMkLst>
             <pc:docMk/>
             <pc:sldMk cId="3779166367" sldId="275"/>
@@ -8630,18 +8638,9 @@
             </a:endParaRPr>
           </a:p>
           <a:p>
-            <a:r>
-              <a:rPr lang="en-US" sz="1600" dirty="0">
-                <a:solidFill>
-                  <a:srgbClr val="1D1C1D"/>
-                </a:solidFill>
-                <a:latin typeface="Quire Sans" panose="020B0502040400020003" pitchFamily="34" charset="0"/>
-                <a:cs typeface="Quire Sans" panose="020B0502040400020003" pitchFamily="34" charset="0"/>
-              </a:rPr>
-              <a:t>Add screenshot of dashboard when available</a:t>
-            </a:r>
-          </a:p>
-          <a:p>
+            <a:pPr marL="0" indent="0">
+              <a:buNone/>
+            </a:pPr>
             <a:endParaRPr lang="en-US" sz="2400" dirty="0">
               <a:latin typeface="Quire Sans" panose="020B0502040400020003" pitchFamily="34" charset="0"/>
               <a:cs typeface="Quire Sans" panose="020B0502040400020003" pitchFamily="34" charset="0"/>
@@ -8684,10 +8683,10 @@
       </p:pic>
       <p:pic>
         <p:nvPicPr>
-          <p:cNvPr id="9" name="Picture 8">
-            <a:extLst>
-              <a:ext uri="{FF2B5EF4-FFF2-40B4-BE49-F238E27FC236}">
-                <a16:creationId xmlns:a16="http://schemas.microsoft.com/office/drawing/2014/main" id="{7F565007-70C2-0E46-8BAD-1E63122F8FC7}"/>
+          <p:cNvPr id="5" name="Picture 4">
+            <a:extLst>
+              <a:ext uri="{FF2B5EF4-FFF2-40B4-BE49-F238E27FC236}">
+                <a16:creationId xmlns:a16="http://schemas.microsoft.com/office/drawing/2014/main" id="{12BA6DD9-4EEE-F426-8AD7-BBDB6EDB0D13}"/>
               </a:ext>
             </a:extLst>
           </p:cNvPr>
@@ -8704,52 +8703,12 @@
         </p:blipFill>
         <p:spPr>
           <a:xfrm>
-            <a:off x="495299" y="2648388"/>
-            <a:ext cx="5253895" cy="3152337"/>
+            <a:off x="923635" y="2248328"/>
+            <a:ext cx="9679709" cy="4063572"/>
           </a:xfrm>
           <a:prstGeom prst="rect">
             <a:avLst/>
           </a:prstGeom>
-          <a:ln>
-            <a:solidFill>
-              <a:schemeClr val="tx1"/>
-            </a:solidFill>
-          </a:ln>
-        </p:spPr>
-      </p:pic>
-      <p:pic>
-        <p:nvPicPr>
-          <p:cNvPr id="11" name="Picture 10">
-            <a:extLst>
-              <a:ext uri="{FF2B5EF4-FFF2-40B4-BE49-F238E27FC236}">
-                <a16:creationId xmlns:a16="http://schemas.microsoft.com/office/drawing/2014/main" id="{F7B56B12-82F4-679C-D500-2F5AED06F737}"/>
-              </a:ext>
-            </a:extLst>
-          </p:cNvPr>
-          <p:cNvPicPr>
-            <a:picLocks noChangeAspect="1"/>
-          </p:cNvPicPr>
-          <p:nvPr/>
-        </p:nvPicPr>
-        <p:blipFill>
-          <a:blip r:embed="rId6"/>
-          <a:stretch>
-            <a:fillRect/>
-          </a:stretch>
-        </p:blipFill>
-        <p:spPr>
-          <a:xfrm>
-            <a:off x="6442808" y="2648387"/>
-            <a:ext cx="5253895" cy="3152337"/>
-          </a:xfrm>
-          <a:prstGeom prst="rect">
-            <a:avLst/>
-          </a:prstGeom>
-          <a:ln>
-            <a:solidFill>
-              <a:schemeClr val="tx1"/>
-            </a:solidFill>
-          </a:ln>
         </p:spPr>
       </p:pic>
     </p:spTree>

--- a/Project3_Draft.pptx
+++ b/Project3_Draft.pptx
@@ -127,7 +127,7 @@
   <pc:docChgLst>
     <pc:chgData name="Paul Friesenhahn" userId="f916021d3ee654ef" providerId="LiveId" clId="{DC3548C3-5DA8-4B8B-B3DE-662D292C6445}"/>
     <pc:docChg chg="undo redo custSel addSld delSld modSld sldOrd">
-      <pc:chgData name="Paul Friesenhahn" userId="f916021d3ee654ef" providerId="LiveId" clId="{DC3548C3-5DA8-4B8B-B3DE-662D292C6445}" dt="2023-06-28T23:02:57.969" v="2727" actId="1076"/>
+      <pc:chgData name="Paul Friesenhahn" userId="f916021d3ee654ef" providerId="LiveId" clId="{DC3548C3-5DA8-4B8B-B3DE-662D292C6445}" dt="2023-06-28T23:16:47.211" v="2803" actId="14100"/>
       <pc:docMkLst>
         <pc:docMk/>
       </pc:docMkLst>
@@ -938,11 +938,19 @@
         </pc:picChg>
       </pc:sldChg>
       <pc:sldChg chg="addSp delSp modSp mod modNotesTx">
-        <pc:chgData name="Paul Friesenhahn" userId="f916021d3ee654ef" providerId="LiveId" clId="{DC3548C3-5DA8-4B8B-B3DE-662D292C6445}" dt="2023-06-28T17:46:06.053" v="2628" actId="20577"/>
+        <pc:chgData name="Paul Friesenhahn" userId="f916021d3ee654ef" providerId="LiveId" clId="{DC3548C3-5DA8-4B8B-B3DE-662D292C6445}" dt="2023-06-28T23:16:47.211" v="2803" actId="14100"/>
         <pc:sldMkLst>
           <pc:docMk/>
           <pc:sldMk cId="3254109865" sldId="271"/>
         </pc:sldMkLst>
+        <pc:spChg chg="mod">
+          <ac:chgData name="Paul Friesenhahn" userId="f916021d3ee654ef" providerId="LiveId" clId="{DC3548C3-5DA8-4B8B-B3DE-662D292C6445}" dt="2023-06-28T23:15:58.576" v="2792" actId="1035"/>
+          <ac:spMkLst>
+            <pc:docMk/>
+            <pc:sldMk cId="3254109865" sldId="271"/>
+            <ac:spMk id="2" creationId="{CE314C38-A8A7-05A2-6014-AD82EFDAC9CD}"/>
+          </ac:spMkLst>
+        </pc:spChg>
         <pc:grpChg chg="del">
           <ac:chgData name="Paul Friesenhahn" userId="f916021d3ee654ef" providerId="LiveId" clId="{DC3548C3-5DA8-4B8B-B3DE-662D292C6445}" dt="2023-06-28T17:12:44.253" v="2000" actId="478"/>
           <ac:grpSpMkLst>
@@ -957,6 +965,22 @@
             <pc:docMk/>
             <pc:sldMk cId="3254109865" sldId="271"/>
             <ac:picMk id="4" creationId="{7B020CB7-71E0-5C21-FCB7-C643DEF7D978}"/>
+          </ac:picMkLst>
+        </pc:picChg>
+        <pc:picChg chg="add mod">
+          <ac:chgData name="Paul Friesenhahn" userId="f916021d3ee654ef" providerId="LiveId" clId="{DC3548C3-5DA8-4B8B-B3DE-662D292C6445}" dt="2023-06-28T23:16:47.211" v="2803" actId="14100"/>
+          <ac:picMkLst>
+            <pc:docMk/>
+            <pc:sldMk cId="3254109865" sldId="271"/>
+            <ac:picMk id="5" creationId="{491B27DD-4DEA-AD4F-12D5-D6E756A0AB85}"/>
+          </ac:picMkLst>
+        </pc:picChg>
+        <pc:picChg chg="add mod">
+          <ac:chgData name="Paul Friesenhahn" userId="f916021d3ee654ef" providerId="LiveId" clId="{DC3548C3-5DA8-4B8B-B3DE-662D292C6445}" dt="2023-06-28T23:16:43.458" v="2802" actId="14100"/>
+          <ac:picMkLst>
+            <pc:docMk/>
+            <pc:sldMk cId="3254109865" sldId="271"/>
+            <ac:picMk id="7" creationId="{6CA4C3BB-DA3A-6D64-DCF8-B530A893CEC7}"/>
           </ac:picMkLst>
         </pc:picChg>
       </pc:sldChg>
@@ -8767,7 +8791,7 @@
         </p:nvSpPr>
         <p:spPr>
           <a:xfrm>
-            <a:off x="838200" y="2231247"/>
+            <a:off x="838200" y="411775"/>
             <a:ext cx="10515600" cy="1325563"/>
           </a:xfrm>
         </p:spPr>
@@ -8811,6 +8835,66 @@
           <a:xfrm>
             <a:off x="604438" y="443427"/>
             <a:ext cx="3657600" cy="135695"/>
+          </a:xfrm>
+          <a:prstGeom prst="rect">
+            <a:avLst/>
+          </a:prstGeom>
+        </p:spPr>
+      </p:pic>
+      <p:pic>
+        <p:nvPicPr>
+          <p:cNvPr id="5" name="Picture 4">
+            <a:extLst>
+              <a:ext uri="{FF2B5EF4-FFF2-40B4-BE49-F238E27FC236}">
+                <a16:creationId xmlns:a16="http://schemas.microsoft.com/office/drawing/2014/main" id="{491B27DD-4DEA-AD4F-12D5-D6E756A0AB85}"/>
+              </a:ext>
+            </a:extLst>
+          </p:cNvPr>
+          <p:cNvPicPr>
+            <a:picLocks noChangeAspect="1"/>
+          </p:cNvPicPr>
+          <p:nvPr/>
+        </p:nvPicPr>
+        <p:blipFill>
+          <a:blip r:embed="rId4"/>
+          <a:stretch>
+            <a:fillRect/>
+          </a:stretch>
+        </p:blipFill>
+        <p:spPr>
+          <a:xfrm>
+            <a:off x="303244" y="2025675"/>
+            <a:ext cx="5705671" cy="3423402"/>
+          </a:xfrm>
+          <a:prstGeom prst="rect">
+            <a:avLst/>
+          </a:prstGeom>
+        </p:spPr>
+      </p:pic>
+      <p:pic>
+        <p:nvPicPr>
+          <p:cNvPr id="7" name="Picture 6">
+            <a:extLst>
+              <a:ext uri="{FF2B5EF4-FFF2-40B4-BE49-F238E27FC236}">
+                <a16:creationId xmlns:a16="http://schemas.microsoft.com/office/drawing/2014/main" id="{6CA4C3BB-DA3A-6D64-DCF8-B530A893CEC7}"/>
+              </a:ext>
+            </a:extLst>
+          </p:cNvPr>
+          <p:cNvPicPr>
+            <a:picLocks noChangeAspect="1"/>
+          </p:cNvPicPr>
+          <p:nvPr/>
+        </p:nvPicPr>
+        <p:blipFill>
+          <a:blip r:embed="rId5"/>
+          <a:stretch>
+            <a:fillRect/>
+          </a:stretch>
+        </p:blipFill>
+        <p:spPr>
+          <a:xfrm>
+            <a:off x="6273282" y="2025675"/>
+            <a:ext cx="5705669" cy="3423402"/>
           </a:xfrm>
           <a:prstGeom prst="rect">
             <a:avLst/>

--- a/Project3_Draft.pptx
+++ b/Project3_Draft.pptx
@@ -5,7 +5,7 @@
     <p:sldMasterId id="2147483648" r:id="rId1"/>
   </p:sldMasterIdLst>
   <p:notesMasterIdLst>
-    <p:notesMasterId r:id="rId10"/>
+    <p:notesMasterId r:id="rId11"/>
   </p:notesMasterIdLst>
   <p:sldIdLst>
     <p:sldId id="272" r:id="rId2"/>
@@ -16,6 +16,7 @@
     <p:sldId id="280" r:id="rId7"/>
     <p:sldId id="275" r:id="rId8"/>
     <p:sldId id="271" r:id="rId9"/>
+    <p:sldId id="281" r:id="rId10"/>
   </p:sldIdLst>
   <p:sldSz cx="12192000" cy="6858000"/>
   <p:notesSz cx="6858000" cy="9144000"/>
@@ -127,7 +128,7 @@
   <pc:docChgLst>
     <pc:chgData name="Paul Friesenhahn" userId="f916021d3ee654ef" providerId="LiveId" clId="{DC3548C3-5DA8-4B8B-B3DE-662D292C6445}"/>
     <pc:docChg chg="undo redo custSel addSld delSld modSld sldOrd">
-      <pc:chgData name="Paul Friesenhahn" userId="f916021d3ee654ef" providerId="LiveId" clId="{DC3548C3-5DA8-4B8B-B3DE-662D292C6445}" dt="2023-06-28T23:16:47.211" v="2803" actId="14100"/>
+      <pc:chgData name="Paul Friesenhahn" userId="f916021d3ee654ef" providerId="LiveId" clId="{DC3548C3-5DA8-4B8B-B3DE-662D292C6445}" dt="2023-06-28T23:28:15.353" v="2884" actId="20577"/>
       <pc:docMkLst>
         <pc:docMk/>
       </pc:docMkLst>
@@ -938,13 +939,13 @@
         </pc:picChg>
       </pc:sldChg>
       <pc:sldChg chg="addSp delSp modSp mod modNotesTx">
-        <pc:chgData name="Paul Friesenhahn" userId="f916021d3ee654ef" providerId="LiveId" clId="{DC3548C3-5DA8-4B8B-B3DE-662D292C6445}" dt="2023-06-28T23:16:47.211" v="2803" actId="14100"/>
+        <pc:chgData name="Paul Friesenhahn" userId="f916021d3ee654ef" providerId="LiveId" clId="{DC3548C3-5DA8-4B8B-B3DE-662D292C6445}" dt="2023-06-28T23:28:15.353" v="2884" actId="20577"/>
         <pc:sldMkLst>
           <pc:docMk/>
           <pc:sldMk cId="3254109865" sldId="271"/>
         </pc:sldMkLst>
         <pc:spChg chg="mod">
-          <ac:chgData name="Paul Friesenhahn" userId="f916021d3ee654ef" providerId="LiveId" clId="{DC3548C3-5DA8-4B8B-B3DE-662D292C6445}" dt="2023-06-28T23:15:58.576" v="2792" actId="1035"/>
+          <ac:chgData name="Paul Friesenhahn" userId="f916021d3ee654ef" providerId="LiveId" clId="{DC3548C3-5DA8-4B8B-B3DE-662D292C6445}" dt="2023-06-28T23:28:15.353" v="2884" actId="20577"/>
           <ac:spMkLst>
             <pc:docMk/>
             <pc:sldMk cId="3254109865" sldId="271"/>
@@ -2260,6 +2261,37 @@
             <pc:docMk/>
             <pc:sldMk cId="50619058" sldId="281"/>
             <ac:picMk id="1026" creationId="{5C9D814E-3D4D-9103-64A2-512BA878F787}"/>
+          </ac:picMkLst>
+        </pc:picChg>
+      </pc:sldChg>
+      <pc:sldChg chg="delSp modSp add mod">
+        <pc:chgData name="Paul Friesenhahn" userId="f916021d3ee654ef" providerId="LiveId" clId="{DC3548C3-5DA8-4B8B-B3DE-662D292C6445}" dt="2023-06-28T23:27:49.748" v="2847" actId="1036"/>
+        <pc:sldMkLst>
+          <pc:docMk/>
+          <pc:sldMk cId="2576456078" sldId="281"/>
+        </pc:sldMkLst>
+        <pc:spChg chg="mod">
+          <ac:chgData name="Paul Friesenhahn" userId="f916021d3ee654ef" providerId="LiveId" clId="{DC3548C3-5DA8-4B8B-B3DE-662D292C6445}" dt="2023-06-28T23:27:49.748" v="2847" actId="1036"/>
+          <ac:spMkLst>
+            <pc:docMk/>
+            <pc:sldMk cId="2576456078" sldId="281"/>
+            <ac:spMk id="2" creationId="{CE314C38-A8A7-05A2-6014-AD82EFDAC9CD}"/>
+          </ac:spMkLst>
+        </pc:spChg>
+        <pc:picChg chg="del">
+          <ac:chgData name="Paul Friesenhahn" userId="f916021d3ee654ef" providerId="LiveId" clId="{DC3548C3-5DA8-4B8B-B3DE-662D292C6445}" dt="2023-06-28T23:27:41.325" v="2805" actId="478"/>
+          <ac:picMkLst>
+            <pc:docMk/>
+            <pc:sldMk cId="2576456078" sldId="281"/>
+            <ac:picMk id="5" creationId="{491B27DD-4DEA-AD4F-12D5-D6E756A0AB85}"/>
+          </ac:picMkLst>
+        </pc:picChg>
+        <pc:picChg chg="del">
+          <ac:chgData name="Paul Friesenhahn" userId="f916021d3ee654ef" providerId="LiveId" clId="{DC3548C3-5DA8-4B8B-B3DE-662D292C6445}" dt="2023-06-28T23:27:42.052" v="2806" actId="478"/>
+          <ac:picMkLst>
+            <pc:docMk/>
+            <pc:sldMk cId="2576456078" sldId="281"/>
+            <ac:picMk id="7" creationId="{6CA4C3BB-DA3A-6D64-DCF8-B530A893CEC7}"/>
           </ac:picMkLst>
         </pc:picChg>
       </pc:sldChg>
@@ -3304,6 +3336,93 @@
     <p:extLst>
       <p:ext uri="{BB962C8B-B14F-4D97-AF65-F5344CB8AC3E}">
         <p14:creationId xmlns:p14="http://schemas.microsoft.com/office/powerpoint/2010/main" val="2276896937"/>
+      </p:ext>
+    </p:extLst>
+  </p:cSld>
+  <p:clrMapOvr>
+    <a:masterClrMapping/>
+  </p:clrMapOvr>
+</p:notes>
+</file>
+
+<file path=ppt/notesSlides/notesSlide9.xml><?xml version="1.0" encoding="utf-8"?>
+<p:notes xmlns:a="http://schemas.openxmlformats.org/drawingml/2006/main" xmlns:r="http://schemas.openxmlformats.org/officeDocument/2006/relationships" xmlns:p="http://schemas.openxmlformats.org/presentationml/2006/main">
+  <p:cSld>
+    <p:spTree>
+      <p:nvGrpSpPr>
+        <p:cNvPr id="1" name=""/>
+        <p:cNvGrpSpPr/>
+        <p:nvPr/>
+      </p:nvGrpSpPr>
+      <p:grpSpPr>
+        <a:xfrm>
+          <a:off x="0" y="0"/>
+          <a:ext cx="0" cy="0"/>
+          <a:chOff x="0" y="0"/>
+          <a:chExt cx="0" cy="0"/>
+        </a:xfrm>
+      </p:grpSpPr>
+      <p:sp>
+        <p:nvSpPr>
+          <p:cNvPr id="2" name="Slide Image Placeholder 1"/>
+          <p:cNvSpPr>
+            <a:spLocks noGrp="1" noRot="1" noChangeAspect="1"/>
+          </p:cNvSpPr>
+          <p:nvPr>
+            <p:ph type="sldImg"/>
+          </p:nvPr>
+        </p:nvSpPr>
+        <p:spPr/>
+      </p:sp>
+      <p:sp>
+        <p:nvSpPr>
+          <p:cNvPr id="3" name="Notes Placeholder 2"/>
+          <p:cNvSpPr>
+            <a:spLocks noGrp="1"/>
+          </p:cNvSpPr>
+          <p:nvPr>
+            <p:ph type="body" idx="1"/>
+          </p:nvPr>
+        </p:nvSpPr>
+        <p:spPr/>
+        <p:txBody>
+          <a:bodyPr/>
+          <a:lstStyle/>
+          <a:p>
+            <a:r>
+              <a:rPr lang="en-US" dirty="0"/>
+              <a:t>Robert</a:t>
+            </a:r>
+          </a:p>
+        </p:txBody>
+      </p:sp>
+      <p:sp>
+        <p:nvSpPr>
+          <p:cNvPr id="4" name="Slide Number Placeholder 3"/>
+          <p:cNvSpPr>
+            <a:spLocks noGrp="1"/>
+          </p:cNvSpPr>
+          <p:nvPr>
+            <p:ph type="sldNum" sz="quarter" idx="5"/>
+          </p:nvPr>
+        </p:nvSpPr>
+        <p:spPr/>
+        <p:txBody>
+          <a:bodyPr/>
+          <a:lstStyle/>
+          <a:p>
+            <a:fld id="{AC342900-779F-484A-BB9D-264AC2E63699}" type="slidenum">
+              <a:rPr lang="en-US" smtClean="0"/>
+              <a:t>9</a:t>
+            </a:fld>
+            <a:endParaRPr lang="en-US"/>
+          </a:p>
+        </p:txBody>
+      </p:sp>
+    </p:spTree>
+    <p:extLst>
+      <p:ext uri="{BB962C8B-B14F-4D97-AF65-F5344CB8AC3E}">
+        <p14:creationId xmlns:p14="http://schemas.microsoft.com/office/powerpoint/2010/main" val="3239640822"/>
       </p:ext>
     </p:extLst>
   </p:cSld>
@@ -8801,12 +8920,11 @@
           </a:bodyPr>
           <a:lstStyle/>
           <a:p>
-            <a:pPr algn="ctr"/>
-            <a:r>
-              <a:rPr lang="en-US" sz="6600" b="1" dirty="0">
+            <a:r>
+              <a:rPr lang="en-US" sz="3200" b="1" dirty="0">
                 <a:latin typeface="Quire Sans Light" panose="020B0302040400020003" pitchFamily="34" charset="0"/>
               </a:rPr>
-              <a:t>QUESTIONS?</a:t>
+              <a:t>RESULTS</a:t>
             </a:r>
           </a:p>
         </p:txBody>
@@ -8905,6 +9023,112 @@
     <p:extLst>
       <p:ext uri="{BB962C8B-B14F-4D97-AF65-F5344CB8AC3E}">
         <p14:creationId xmlns:p14="http://schemas.microsoft.com/office/powerpoint/2010/main" val="3254109865"/>
+      </p:ext>
+    </p:extLst>
+  </p:cSld>
+  <p:clrMapOvr>
+    <a:masterClrMapping/>
+  </p:clrMapOvr>
+</p:sld>
+</file>
+
+<file path=ppt/slides/slide9.xml><?xml version="1.0" encoding="utf-8"?>
+<p:sld xmlns:a="http://schemas.openxmlformats.org/drawingml/2006/main" xmlns:r="http://schemas.openxmlformats.org/officeDocument/2006/relationships" xmlns:p="http://schemas.openxmlformats.org/presentationml/2006/main">
+  <p:cSld>
+    <p:bg>
+      <p:bgPr>
+        <a:solidFill>
+          <a:srgbClr val="F2F2F2"/>
+        </a:solidFill>
+        <a:effectLst/>
+      </p:bgPr>
+    </p:bg>
+    <p:spTree>
+      <p:nvGrpSpPr>
+        <p:cNvPr id="1" name=""/>
+        <p:cNvGrpSpPr/>
+        <p:nvPr/>
+      </p:nvGrpSpPr>
+      <p:grpSpPr>
+        <a:xfrm>
+          <a:off x="0" y="0"/>
+          <a:ext cx="0" cy="0"/>
+          <a:chOff x="0" y="0"/>
+          <a:chExt cx="0" cy="0"/>
+        </a:xfrm>
+      </p:grpSpPr>
+      <p:sp>
+        <p:nvSpPr>
+          <p:cNvPr id="2" name="Title 1">
+            <a:extLst>
+              <a:ext uri="{FF2B5EF4-FFF2-40B4-BE49-F238E27FC236}">
+                <a16:creationId xmlns:a16="http://schemas.microsoft.com/office/drawing/2014/main" id="{CE314C38-A8A7-05A2-6014-AD82EFDAC9CD}"/>
+              </a:ext>
+            </a:extLst>
+          </p:cNvPr>
+          <p:cNvSpPr>
+            <a:spLocks noGrp="1"/>
+          </p:cNvSpPr>
+          <p:nvPr>
+            <p:ph type="title"/>
+          </p:nvPr>
+        </p:nvSpPr>
+        <p:spPr>
+          <a:xfrm>
+            <a:off x="838200" y="2286755"/>
+            <a:ext cx="10515600" cy="1325563"/>
+          </a:xfrm>
+        </p:spPr>
+        <p:txBody>
+          <a:bodyPr>
+            <a:normAutofit/>
+          </a:bodyPr>
+          <a:lstStyle/>
+          <a:p>
+            <a:pPr algn="ctr"/>
+            <a:r>
+              <a:rPr lang="en-US" sz="6600" b="1" dirty="0">
+                <a:latin typeface="Quire Sans Light" panose="020B0302040400020003" pitchFamily="34" charset="0"/>
+              </a:rPr>
+              <a:t>QUESTIONS?</a:t>
+            </a:r>
+          </a:p>
+        </p:txBody>
+      </p:sp>
+      <p:pic>
+        <p:nvPicPr>
+          <p:cNvPr id="4" name="Picture 3">
+            <a:extLst>
+              <a:ext uri="{FF2B5EF4-FFF2-40B4-BE49-F238E27FC236}">
+                <a16:creationId xmlns:a16="http://schemas.microsoft.com/office/drawing/2014/main" id="{7B020CB7-71E0-5C21-FCB7-C643DEF7D978}"/>
+              </a:ext>
+            </a:extLst>
+          </p:cNvPr>
+          <p:cNvPicPr>
+            <a:picLocks noChangeAspect="1"/>
+          </p:cNvPicPr>
+          <p:nvPr/>
+        </p:nvPicPr>
+        <p:blipFill>
+          <a:blip r:embed="rId3"/>
+          <a:stretch>
+            <a:fillRect/>
+          </a:stretch>
+        </p:blipFill>
+        <p:spPr>
+          <a:xfrm>
+            <a:off x="604438" y="443427"/>
+            <a:ext cx="3657600" cy="135695"/>
+          </a:xfrm>
+          <a:prstGeom prst="rect">
+            <a:avLst/>
+          </a:prstGeom>
+        </p:spPr>
+      </p:pic>
+    </p:spTree>
+    <p:extLst>
+      <p:ext uri="{BB962C8B-B14F-4D97-AF65-F5344CB8AC3E}">
+        <p14:creationId xmlns:p14="http://schemas.microsoft.com/office/powerpoint/2010/main" val="2576456078"/>
       </p:ext>
     </p:extLst>
   </p:cSld>
